--- a/演示文稿5.pptx
+++ b/演示文稿5.pptx
@@ -5949,7 +5949,7 @@
               <a:buNone/>
             </a:pPr>
             <a:r>
-              <a:rPr lang="zh-CN" altLang="en-US" sz="2000" dirty="0">
+              <a:rPr lang="zh-CN" altLang="en-US" sz="1800" dirty="0">
                 <a:solidFill>
                   <a:schemeClr val="bg1">
                     <a:lumMod val="50000"/>
@@ -5961,7 +5961,7 @@
               <a:t>继续使用</a:t>
             </a:r>
             <a:r>
-              <a:rPr lang="en-US" altLang="zh-CN" sz="2000" dirty="0">
+              <a:rPr lang="en-US" altLang="zh-CN" sz="1800" dirty="0">
                 <a:solidFill>
                   <a:schemeClr val="bg1">
                     <a:lumMod val="50000"/>
@@ -5973,7 +5973,7 @@
               <a:t>Spyder</a:t>
             </a:r>
             <a:r>
-              <a:rPr lang="zh-CN" altLang="en-US" sz="2000" dirty="0">
+              <a:rPr lang="zh-CN" altLang="en-US" sz="1800" dirty="0">
                 <a:solidFill>
                   <a:schemeClr val="bg1">
                     <a:lumMod val="50000"/>
@@ -5984,7 +5984,7 @@
               </a:rPr>
               <a:t>，</a:t>
             </a:r>
-            <a:endParaRPr lang="zh-CN" altLang="en-US" sz="2000" dirty="0">
+            <a:endParaRPr lang="zh-CN" altLang="en-US" sz="1800" dirty="0">
               <a:solidFill>
                 <a:schemeClr val="bg1">
                   <a:lumMod val="50000"/>
@@ -5999,7 +5999,7 @@
               <a:buNone/>
             </a:pPr>
             <a:r>
-              <a:rPr lang="zh-CN" altLang="en-US" sz="2000" dirty="0">
+              <a:rPr lang="zh-CN" altLang="en-US" sz="1800" dirty="0">
                 <a:solidFill>
                   <a:schemeClr val="bg1">
                     <a:lumMod val="50000"/>
@@ -6011,7 +6011,7 @@
               <a:t>学习</a:t>
             </a:r>
             <a:r>
-              <a:rPr lang="en-US" altLang="zh-CN" sz="2000" dirty="0">
+              <a:rPr lang="en-US" altLang="zh-CN" sz="1800" dirty="0">
                 <a:solidFill>
                   <a:schemeClr val="bg1">
                     <a:lumMod val="50000"/>
@@ -6023,7 +6023,7 @@
               <a:t>Python</a:t>
             </a:r>
             <a:r>
-              <a:rPr lang="zh-CN" altLang="en-US" sz="2000" dirty="0">
+              <a:rPr lang="zh-CN" altLang="en-US" sz="1800" dirty="0">
                 <a:solidFill>
                   <a:schemeClr val="bg1">
                     <a:lumMod val="50000"/>
@@ -6034,7 +6034,7 @@
               </a:rPr>
               <a:t>的相关知识，完善全球天气查询的相关细节，使得代码更加规范与简洁。</a:t>
             </a:r>
-            <a:endParaRPr lang="zh-CN" altLang="en-US" sz="2000" dirty="0">
+            <a:endParaRPr lang="zh-CN" altLang="en-US" sz="1800" dirty="0">
               <a:solidFill>
                 <a:schemeClr val="bg1">
                   <a:lumMod val="50000"/>
@@ -6480,7 +6480,55 @@
               </a:rPr>
               <a:t>语言，安装相应的程序，导入相应的包</a:t>
             </a:r>
-            <a:endParaRPr lang="en-US" altLang="zh-CN" sz="2000" dirty="0">
+            <a:r>
+              <a:rPr lang="en-US" altLang="zh-CN" sz="2000" dirty="0">
+                <a:solidFill>
+                  <a:schemeClr val="bg1">
+                    <a:lumMod val="50000"/>
+                  </a:schemeClr>
+                </a:solidFill>
+                <a:latin typeface="Roboto" panose="02000000000000000000" pitchFamily="2" charset="0"/>
+                <a:ea typeface="宋体" panose="02010600030101010101" pitchFamily="2" charset="-122"/>
+              </a:rPr>
+              <a:t>,</a:t>
+            </a:r>
+            <a:r>
+              <a:rPr lang="zh-CN" altLang="zh-CN" sz="2000" dirty="0">
+                <a:solidFill>
+                  <a:schemeClr val="bg1">
+                    <a:lumMod val="50000"/>
+                  </a:schemeClr>
+                </a:solidFill>
+                <a:latin typeface="Roboto" panose="02000000000000000000" pitchFamily="2" charset="0"/>
+                <a:ea typeface="宋体" panose="02010600030101010101" pitchFamily="2" charset="-122"/>
+              </a:rPr>
+              <a:t>学习函数式编程</a:t>
+            </a:r>
+            <a:r>
+              <a:rPr lang="en-US" altLang="zh-CN" sz="2000" dirty="0">
+                <a:solidFill>
+                  <a:schemeClr val="bg1">
+                    <a:lumMod val="50000"/>
+                  </a:schemeClr>
+                </a:solidFill>
+                <a:latin typeface="Roboto" panose="02000000000000000000" pitchFamily="2" charset="0"/>
+                <a:ea typeface="宋体" panose="02010600030101010101" pitchFamily="2" charset="-122"/>
+              </a:rPr>
+              <a:t>,</a:t>
+            </a:r>
+            <a:r>
+              <a:rPr lang="zh-CN" altLang="zh-CN" sz="2000" dirty="0">
+                <a:solidFill>
+                  <a:schemeClr val="bg1">
+                    <a:lumMod val="50000"/>
+                  </a:schemeClr>
+                </a:solidFill>
+                <a:latin typeface="Roboto" panose="02000000000000000000" pitchFamily="2" charset="0"/>
+                <a:ea typeface="宋体" panose="02010600030101010101" pitchFamily="2" charset="-122"/>
+              </a:rPr>
+              <a:t>指令式编程，过程式编程</a:t>
+            </a:r>
+            <a:endParaRPr lang="zh-CN" altLang="zh-CN" sz="2000" dirty="0">
               <a:solidFill>
                 <a:schemeClr val="bg1">
                   <a:lumMod val="50000"/>
@@ -6870,7 +6918,7 @@
                 <a:latin typeface="Roboto" panose="02000000000000000000" pitchFamily="2" charset="0"/>
                 <a:ea typeface="宋体" panose="02010600030101010101" pitchFamily="2" charset="-122"/>
               </a:rPr>
-              <a:t>语言，学会简单的使用，完成相应软件的安装与学习，复习前几日所学代码，优化全球天气查询的代码      </a:t>
+              <a:t>语言，</a:t>
             </a:r>
             <a:r>
               <a:rPr lang="zh-CN" altLang="en-US" sz="1000" dirty="0">
@@ -6882,9 +6930,69 @@
                 <a:latin typeface="Roboto" panose="02000000000000000000" pitchFamily="2" charset="0"/>
                 <a:ea typeface="宋体" panose="02010600030101010101" pitchFamily="2" charset="-122"/>
               </a:rPr>
-              <a:t>            </a:t>
+              <a:t>  </a:t>
             </a:r>
-            <a:endParaRPr lang="en-US" altLang="zh-CN" sz="1000" dirty="0">
+            <a:r>
+              <a:rPr lang="en-US" altLang="zh-CN" sz="2000" dirty="0">
+                <a:solidFill>
+                  <a:schemeClr val="bg1">
+                    <a:lumMod val="50000"/>
+                  </a:schemeClr>
+                </a:solidFill>
+                <a:latin typeface="Roboto" panose="02000000000000000000" pitchFamily="2" charset="0"/>
+                <a:ea typeface="宋体" panose="02010600030101010101" pitchFamily="2" charset="-122"/>
+              </a:rPr>
+              <a:t>scala xml</a:t>
+            </a:r>
+            <a:r>
+              <a:rPr lang="zh-CN" altLang="zh-CN" sz="2000" dirty="0">
+                <a:solidFill>
+                  <a:schemeClr val="bg1">
+                    <a:lumMod val="50000"/>
+                  </a:schemeClr>
+                </a:solidFill>
+                <a:latin typeface="Roboto" panose="02000000000000000000" pitchFamily="2" charset="0"/>
+                <a:ea typeface="宋体" panose="02010600030101010101" pitchFamily="2" charset="-122"/>
+              </a:rPr>
+              <a:t>解析，</a:t>
+            </a:r>
+            <a:r>
+              <a:rPr lang="en-US" altLang="zh-CN" sz="2000" dirty="0">
+                <a:solidFill>
+                  <a:schemeClr val="bg1">
+                    <a:lumMod val="50000"/>
+                  </a:schemeClr>
+                </a:solidFill>
+                <a:latin typeface="Roboto" panose="02000000000000000000" pitchFamily="2" charset="0"/>
+                <a:ea typeface="宋体" panose="02010600030101010101" pitchFamily="2" charset="-122"/>
+              </a:rPr>
+              <a:t>scala_wordcount</a:t>
+            </a:r>
+            <a:r>
+              <a:rPr lang="zh-CN" altLang="en-US" sz="2000" dirty="0">
+                <a:solidFill>
+                  <a:schemeClr val="bg1">
+                    <a:lumMod val="50000"/>
+                  </a:schemeClr>
+                </a:solidFill>
+                <a:latin typeface="Roboto" panose="02000000000000000000" pitchFamily="2" charset="0"/>
+                <a:ea typeface="宋体" panose="02010600030101010101" pitchFamily="2" charset="-122"/>
+              </a:rPr>
+              <a:t>函数式编程</a:t>
+            </a:r>
+            <a:r>
+              <a:rPr lang="zh-CN" altLang="en-US" sz="2000" dirty="0">
+                <a:solidFill>
+                  <a:schemeClr val="bg1">
+                    <a:lumMod val="50000"/>
+                  </a:schemeClr>
+                </a:solidFill>
+                <a:latin typeface="Roboto" panose="02000000000000000000" pitchFamily="2" charset="0"/>
+                <a:ea typeface="宋体" panose="02010600030101010101" pitchFamily="2" charset="-122"/>
+              </a:rPr>
+              <a:t>        </a:t>
+            </a:r>
+            <a:endParaRPr lang="en-US" altLang="zh-CN" sz="2000" dirty="0">
               <a:solidFill>
                 <a:schemeClr val="bg1">
                   <a:lumMod val="50000"/>
@@ -7268,7 +7376,7 @@
                 <a:latin typeface="Roboto" panose="02000000000000000000" pitchFamily="2" charset="0"/>
                 <a:ea typeface="宋体" panose="02010600030101010101" pitchFamily="2" charset="-122"/>
               </a:rPr>
-              <a:t>综合运用前几日所学知识，完善相关代码，解决</a:t>
+              <a:t>大数据可视化，</a:t>
             </a:r>
             <a:r>
               <a:rPr lang="en-US" altLang="zh-CN" sz="2000" dirty="0">
@@ -7280,9 +7388,21 @@
                 <a:latin typeface="Roboto" panose="02000000000000000000" pitchFamily="2" charset="0"/>
                 <a:ea typeface="宋体" panose="02010600030101010101" pitchFamily="2" charset="-122"/>
               </a:rPr>
-              <a:t>bug</a:t>
+              <a:t>json redis,spark rdd,</a:t>
             </a:r>
-            <a:endParaRPr lang="en-US" altLang="zh-CN" sz="2000" dirty="0">
+            <a:r>
+              <a:rPr lang="zh-CN" altLang="en-US" sz="2000" dirty="0">
+                <a:solidFill>
+                  <a:schemeClr val="bg1">
+                    <a:lumMod val="50000"/>
+                  </a:schemeClr>
+                </a:solidFill>
+                <a:latin typeface="Roboto" panose="02000000000000000000" pitchFamily="2" charset="0"/>
+                <a:ea typeface="宋体" panose="02010600030101010101" pitchFamily="2" charset="-122"/>
+              </a:rPr>
+              <a:t>函数异常对象</a:t>
+            </a:r>
+            <a:endParaRPr lang="zh-CN" altLang="en-US" sz="2000" dirty="0">
               <a:solidFill>
                 <a:schemeClr val="bg1">
                   <a:lumMod val="50000"/>
